--- a/public/file/template/PosterTemplate_uamc2026.pptx
+++ b/public/file/template/PosterTemplate_uamc2026.pptx
@@ -235,7 +235,7 @@
           <a:p>
             <a:fld id="{BFCC6F1A-1039-4C54-9CFF-5DE3C97F7A89}" type="datetimeFigureOut">
               <a:rPr lang="en-US" smtClean="0"/>
-              <a:t>1/23/2026</a:t>
+              <a:t>1/27/2026</a:t>
             </a:fld>
             <a:endParaRPr lang="en-US"/>
           </a:p>
@@ -717,7 +717,7 @@
           <a:p>
             <a:fld id="{DF095314-68FD-4919-B69A-04FEC013801C}" type="datetimeFigureOut">
               <a:rPr lang="en-US" smtClean="0"/>
-              <a:t>1/23/2026</a:t>
+              <a:t>1/27/2026</a:t>
             </a:fld>
             <a:endParaRPr lang="en-US"/>
           </a:p>
@@ -887,7 +887,7 @@
           <a:p>
             <a:fld id="{DF095314-68FD-4919-B69A-04FEC013801C}" type="datetimeFigureOut">
               <a:rPr lang="en-US" smtClean="0"/>
-              <a:t>1/23/2026</a:t>
+              <a:t>1/27/2026</a:t>
             </a:fld>
             <a:endParaRPr lang="en-US"/>
           </a:p>
@@ -1067,7 +1067,7 @@
           <a:p>
             <a:fld id="{DF095314-68FD-4919-B69A-04FEC013801C}" type="datetimeFigureOut">
               <a:rPr lang="en-US" smtClean="0"/>
-              <a:t>1/23/2026</a:t>
+              <a:t>1/27/2026</a:t>
             </a:fld>
             <a:endParaRPr lang="en-US"/>
           </a:p>
@@ -1237,7 +1237,7 @@
           <a:p>
             <a:fld id="{DF095314-68FD-4919-B69A-04FEC013801C}" type="datetimeFigureOut">
               <a:rPr lang="en-US" smtClean="0"/>
-              <a:t>1/23/2026</a:t>
+              <a:t>1/27/2026</a:t>
             </a:fld>
             <a:endParaRPr lang="en-US"/>
           </a:p>
@@ -1481,7 +1481,7 @@
           <a:p>
             <a:fld id="{DF095314-68FD-4919-B69A-04FEC013801C}" type="datetimeFigureOut">
               <a:rPr lang="en-US" smtClean="0"/>
-              <a:t>1/23/2026</a:t>
+              <a:t>1/27/2026</a:t>
             </a:fld>
             <a:endParaRPr lang="en-US"/>
           </a:p>
@@ -1713,7 +1713,7 @@
           <a:p>
             <a:fld id="{DF095314-68FD-4919-B69A-04FEC013801C}" type="datetimeFigureOut">
               <a:rPr lang="en-US" smtClean="0"/>
-              <a:t>1/23/2026</a:t>
+              <a:t>1/27/2026</a:t>
             </a:fld>
             <a:endParaRPr lang="en-US"/>
           </a:p>
@@ -2080,7 +2080,7 @@
           <a:p>
             <a:fld id="{DF095314-68FD-4919-B69A-04FEC013801C}" type="datetimeFigureOut">
               <a:rPr lang="en-US" smtClean="0"/>
-              <a:t>1/23/2026</a:t>
+              <a:t>1/27/2026</a:t>
             </a:fld>
             <a:endParaRPr lang="en-US"/>
           </a:p>
@@ -2198,7 +2198,7 @@
           <a:p>
             <a:fld id="{DF095314-68FD-4919-B69A-04FEC013801C}" type="datetimeFigureOut">
               <a:rPr lang="en-US" smtClean="0"/>
-              <a:t>1/23/2026</a:t>
+              <a:t>1/27/2026</a:t>
             </a:fld>
             <a:endParaRPr lang="en-US"/>
           </a:p>
@@ -2293,7 +2293,7 @@
           <a:p>
             <a:fld id="{DF095314-68FD-4919-B69A-04FEC013801C}" type="datetimeFigureOut">
               <a:rPr lang="en-US" smtClean="0"/>
-              <a:t>1/23/2026</a:t>
+              <a:t>1/27/2026</a:t>
             </a:fld>
             <a:endParaRPr lang="en-US"/>
           </a:p>
@@ -2570,7 +2570,7 @@
           <a:p>
             <a:fld id="{DF095314-68FD-4919-B69A-04FEC013801C}" type="datetimeFigureOut">
               <a:rPr lang="en-US" smtClean="0"/>
-              <a:t>1/23/2026</a:t>
+              <a:t>1/27/2026</a:t>
             </a:fld>
             <a:endParaRPr lang="en-US"/>
           </a:p>
@@ -2827,7 +2827,7 @@
           <a:p>
             <a:fld id="{DF095314-68FD-4919-B69A-04FEC013801C}" type="datetimeFigureOut">
               <a:rPr lang="en-US" smtClean="0"/>
-              <a:t>1/23/2026</a:t>
+              <a:t>1/27/2026</a:t>
             </a:fld>
             <a:endParaRPr lang="en-US"/>
           </a:p>
@@ -3040,7 +3040,7 @@
           <a:p>
             <a:fld id="{DF095314-68FD-4919-B69A-04FEC013801C}" type="datetimeFigureOut">
               <a:rPr lang="en-US" smtClean="0"/>
-              <a:t>1/23/2026</a:t>
+              <a:t>1/27/2026</a:t>
             </a:fld>
             <a:endParaRPr lang="en-US"/>
           </a:p>
@@ -4063,7 +4063,7 @@
           <p:cNvPr id="61" name="Group 60">
             <a:extLst>
               <a:ext uri="{FF2B5EF4-FFF2-40B4-BE49-F238E27FC236}">
-                <a16:creationId xmlns:a16="http://schemas.microsoft.com/office/drawing/2014/main" id="{3D977C8E-BA62-4144-8B2D-2BA946544BC6}"/>
+                <a16:creationId xmlns:a16="http://schemas.microsoft.com/office/drawing/2014/main" xmlns="" id="{3D977C8E-BA62-4144-8B2D-2BA946544BC6}"/>
               </a:ext>
             </a:extLst>
           </p:cNvPr>
@@ -4083,7 +4083,7 @@
             <p:cNvPr id="22" name="Picture 21">
               <a:extLst>
                 <a:ext uri="{FF2B5EF4-FFF2-40B4-BE49-F238E27FC236}">
-                  <a16:creationId xmlns:a16="http://schemas.microsoft.com/office/drawing/2014/main" id="{1DBED456-CBBF-4677-822D-4867D0A487D8}"/>
+                  <a16:creationId xmlns:a16="http://schemas.microsoft.com/office/drawing/2014/main" xmlns="" id="{1DBED456-CBBF-4677-822D-4867D0A487D8}"/>
                 </a:ext>
               </a:extLst>
             </p:cNvPr>
@@ -4118,7 +4118,7 @@
             <p:cNvPr id="27" name="Picture 26">
               <a:extLst>
                 <a:ext uri="{FF2B5EF4-FFF2-40B4-BE49-F238E27FC236}">
-                  <a16:creationId xmlns:a16="http://schemas.microsoft.com/office/drawing/2014/main" id="{805D44FF-B331-4C8D-8F31-10798B2C8AAE}"/>
+                  <a16:creationId xmlns:a16="http://schemas.microsoft.com/office/drawing/2014/main" xmlns="" id="{805D44FF-B331-4C8D-8F31-10798B2C8AAE}"/>
                 </a:ext>
               </a:extLst>
             </p:cNvPr>
@@ -4154,7 +4154,7 @@
             <p:cNvPr id="54" name="Picture 53">
               <a:extLst>
                 <a:ext uri="{FF2B5EF4-FFF2-40B4-BE49-F238E27FC236}">
-                  <a16:creationId xmlns:a16="http://schemas.microsoft.com/office/drawing/2014/main" id="{1951A514-5A6F-40B7-BCF1-F1C96EF63250}"/>
+                  <a16:creationId xmlns:a16="http://schemas.microsoft.com/office/drawing/2014/main" xmlns="" id="{1951A514-5A6F-40B7-BCF1-F1C96EF63250}"/>
                 </a:ext>
               </a:extLst>
             </p:cNvPr>
@@ -4189,7 +4189,7 @@
             <p:cNvPr id="56" name="Picture 55">
               <a:extLst>
                 <a:ext uri="{FF2B5EF4-FFF2-40B4-BE49-F238E27FC236}">
-                  <a16:creationId xmlns:a16="http://schemas.microsoft.com/office/drawing/2014/main" id="{7D14DFD5-0DF0-41D5-BCFF-B3F4D36A12A3}"/>
+                  <a16:creationId xmlns:a16="http://schemas.microsoft.com/office/drawing/2014/main" xmlns="" id="{7D14DFD5-0DF0-41D5-BCFF-B3F4D36A12A3}"/>
                 </a:ext>
               </a:extLst>
             </p:cNvPr>
@@ -4224,7 +4224,7 @@
             <p:cNvPr id="58" name="Picture 57">
               <a:extLst>
                 <a:ext uri="{FF2B5EF4-FFF2-40B4-BE49-F238E27FC236}">
-                  <a16:creationId xmlns:a16="http://schemas.microsoft.com/office/drawing/2014/main" id="{F6C7CE0A-943E-44D5-86E9-B41EF648973F}"/>
+                  <a16:creationId xmlns:a16="http://schemas.microsoft.com/office/drawing/2014/main" xmlns="" id="{F6C7CE0A-943E-44D5-86E9-B41EF648973F}"/>
                 </a:ext>
               </a:extLst>
             </p:cNvPr>
@@ -4259,7 +4259,7 @@
             <p:cNvPr id="60" name="Picture 59">
               <a:extLst>
                 <a:ext uri="{FF2B5EF4-FFF2-40B4-BE49-F238E27FC236}">
-                  <a16:creationId xmlns:a16="http://schemas.microsoft.com/office/drawing/2014/main" id="{3CE8AB08-DDCE-4B80-89B7-697740D04490}"/>
+                  <a16:creationId xmlns:a16="http://schemas.microsoft.com/office/drawing/2014/main" xmlns="" id="{3CE8AB08-DDCE-4B80-89B7-697740D04490}"/>
                 </a:ext>
               </a:extLst>
             </p:cNvPr>
@@ -4295,7 +4295,7 @@
             <p:cNvPr id="25" name="Picture 24">
               <a:extLst>
                 <a:ext uri="{FF2B5EF4-FFF2-40B4-BE49-F238E27FC236}">
-                  <a16:creationId xmlns:a16="http://schemas.microsoft.com/office/drawing/2014/main" id="{831CD66D-C614-451C-93EF-EA91A783769D}"/>
+                  <a16:creationId xmlns:a16="http://schemas.microsoft.com/office/drawing/2014/main" xmlns="" id="{831CD66D-C614-451C-93EF-EA91A783769D}"/>
                 </a:ext>
               </a:extLst>
             </p:cNvPr>
@@ -4332,7 +4332,7 @@
           <p:cNvPr id="66" name="Rectangle 65">
             <a:extLst>
               <a:ext uri="{FF2B5EF4-FFF2-40B4-BE49-F238E27FC236}">
-                <a16:creationId xmlns:a16="http://schemas.microsoft.com/office/drawing/2014/main" id="{23B43554-A828-4BCD-82E1-F5DE814F9FE4}"/>
+                <a16:creationId xmlns:a16="http://schemas.microsoft.com/office/drawing/2014/main" xmlns="" id="{23B43554-A828-4BCD-82E1-F5DE814F9FE4}"/>
               </a:ext>
             </a:extLst>
           </p:cNvPr>
@@ -4427,7 +4427,7 @@
           <p:cNvPr id="73" name="Rectangle 72">
             <a:extLst>
               <a:ext uri="{FF2B5EF4-FFF2-40B4-BE49-F238E27FC236}">
-                <a16:creationId xmlns:a16="http://schemas.microsoft.com/office/drawing/2014/main" id="{4548EB13-5C7D-49AD-8C31-A6F80254FB55}"/>
+                <a16:creationId xmlns:a16="http://schemas.microsoft.com/office/drawing/2014/main" xmlns="" id="{4548EB13-5C7D-49AD-8C31-A6F80254FB55}"/>
               </a:ext>
             </a:extLst>
           </p:cNvPr>
@@ -4485,7 +4485,7 @@
           <p:cNvPr id="74" name="TextBox 73">
             <a:extLst>
               <a:ext uri="{FF2B5EF4-FFF2-40B4-BE49-F238E27FC236}">
-                <a16:creationId xmlns:a16="http://schemas.microsoft.com/office/drawing/2014/main" id="{BC16B68E-F7B6-4B07-8D72-763609F15B11}"/>
+                <a16:creationId xmlns:a16="http://schemas.microsoft.com/office/drawing/2014/main" xmlns="" id="{BC16B68E-F7B6-4B07-8D72-763609F15B11}"/>
               </a:ext>
             </a:extLst>
           </p:cNvPr>
@@ -4544,7 +4544,7 @@
           <p:cNvPr id="106" name="Group 105">
             <a:extLst>
               <a:ext uri="{FF2B5EF4-FFF2-40B4-BE49-F238E27FC236}">
-                <a16:creationId xmlns:a16="http://schemas.microsoft.com/office/drawing/2014/main" id="{64CDFD9A-23BD-4CE4-A17F-387E21F22FA4}"/>
+                <a16:creationId xmlns:a16="http://schemas.microsoft.com/office/drawing/2014/main" xmlns="" id="{64CDFD9A-23BD-4CE4-A17F-387E21F22FA4}"/>
               </a:ext>
             </a:extLst>
           </p:cNvPr>
@@ -4567,7 +4567,7 @@
             <p:cNvPr id="90" name="Rectangle 89">
               <a:extLst>
                 <a:ext uri="{FF2B5EF4-FFF2-40B4-BE49-F238E27FC236}">
-                  <a16:creationId xmlns:a16="http://schemas.microsoft.com/office/drawing/2014/main" id="{5C821C6D-A3AA-4A62-B541-15E9CCFEB19F}"/>
+                  <a16:creationId xmlns:a16="http://schemas.microsoft.com/office/drawing/2014/main" xmlns="" id="{5C821C6D-A3AA-4A62-B541-15E9CCFEB19F}"/>
                 </a:ext>
               </a:extLst>
             </p:cNvPr>
@@ -4617,7 +4617,7 @@
             <p:cNvPr id="92" name="Rectangle 91">
               <a:extLst>
                 <a:ext uri="{FF2B5EF4-FFF2-40B4-BE49-F238E27FC236}">
-                  <a16:creationId xmlns:a16="http://schemas.microsoft.com/office/drawing/2014/main" id="{26ECDC03-7049-4085-A18F-2AF20086DAD6}"/>
+                  <a16:creationId xmlns:a16="http://schemas.microsoft.com/office/drawing/2014/main" xmlns="" id="{26ECDC03-7049-4085-A18F-2AF20086DAD6}"/>
                 </a:ext>
               </a:extLst>
             </p:cNvPr>
@@ -4667,7 +4667,7 @@
             <p:cNvPr id="93" name="Rectangle 92">
               <a:extLst>
                 <a:ext uri="{FF2B5EF4-FFF2-40B4-BE49-F238E27FC236}">
-                  <a16:creationId xmlns:a16="http://schemas.microsoft.com/office/drawing/2014/main" id="{5149A556-CB7F-4FAF-AB8B-FD6A9612EC2C}"/>
+                  <a16:creationId xmlns:a16="http://schemas.microsoft.com/office/drawing/2014/main" xmlns="" id="{5149A556-CB7F-4FAF-AB8B-FD6A9612EC2C}"/>
                 </a:ext>
               </a:extLst>
             </p:cNvPr>
@@ -4717,7 +4717,7 @@
             <p:cNvPr id="94" name="Rectangle 93">
               <a:extLst>
                 <a:ext uri="{FF2B5EF4-FFF2-40B4-BE49-F238E27FC236}">
-                  <a16:creationId xmlns:a16="http://schemas.microsoft.com/office/drawing/2014/main" id="{A8169BC5-7F68-47AE-AB93-E157D8D9BFA1}"/>
+                  <a16:creationId xmlns:a16="http://schemas.microsoft.com/office/drawing/2014/main" xmlns="" id="{A8169BC5-7F68-47AE-AB93-E157D8D9BFA1}"/>
                 </a:ext>
               </a:extLst>
             </p:cNvPr>
@@ -4767,7 +4767,7 @@
             <p:cNvPr id="95" name="Rectangle 94">
               <a:extLst>
                 <a:ext uri="{FF2B5EF4-FFF2-40B4-BE49-F238E27FC236}">
-                  <a16:creationId xmlns:a16="http://schemas.microsoft.com/office/drawing/2014/main" id="{98B7A6A0-763E-4D5E-A7FC-8A13A0665029}"/>
+                  <a16:creationId xmlns:a16="http://schemas.microsoft.com/office/drawing/2014/main" xmlns="" id="{98B7A6A0-763E-4D5E-A7FC-8A13A0665029}"/>
                 </a:ext>
               </a:extLst>
             </p:cNvPr>
@@ -4817,7 +4817,7 @@
             <p:cNvPr id="96" name="Rectangle 95">
               <a:extLst>
                 <a:ext uri="{FF2B5EF4-FFF2-40B4-BE49-F238E27FC236}">
-                  <a16:creationId xmlns:a16="http://schemas.microsoft.com/office/drawing/2014/main" id="{B78559EF-A23C-4187-A391-B0D2177286E9}"/>
+                  <a16:creationId xmlns:a16="http://schemas.microsoft.com/office/drawing/2014/main" xmlns="" id="{B78559EF-A23C-4187-A391-B0D2177286E9}"/>
                 </a:ext>
               </a:extLst>
             </p:cNvPr>
@@ -4867,7 +4867,7 @@
             <p:cNvPr id="97" name="Rectangle 96">
               <a:extLst>
                 <a:ext uri="{FF2B5EF4-FFF2-40B4-BE49-F238E27FC236}">
-                  <a16:creationId xmlns:a16="http://schemas.microsoft.com/office/drawing/2014/main" id="{6B9AC795-B49D-45C3-B155-EF418CF6BE18}"/>
+                  <a16:creationId xmlns:a16="http://schemas.microsoft.com/office/drawing/2014/main" xmlns="" id="{6B9AC795-B49D-45C3-B155-EF418CF6BE18}"/>
                 </a:ext>
               </a:extLst>
             </p:cNvPr>
@@ -4917,7 +4917,7 @@
             <p:cNvPr id="98" name="Rectangle 97">
               <a:extLst>
                 <a:ext uri="{FF2B5EF4-FFF2-40B4-BE49-F238E27FC236}">
-                  <a16:creationId xmlns:a16="http://schemas.microsoft.com/office/drawing/2014/main" id="{41D762F9-4D3E-49BA-B490-576A0337FAE2}"/>
+                  <a16:creationId xmlns:a16="http://schemas.microsoft.com/office/drawing/2014/main" xmlns="" id="{41D762F9-4D3E-49BA-B490-576A0337FAE2}"/>
                 </a:ext>
               </a:extLst>
             </p:cNvPr>
@@ -4967,7 +4967,7 @@
             <p:cNvPr id="99" name="Rectangle 98">
               <a:extLst>
                 <a:ext uri="{FF2B5EF4-FFF2-40B4-BE49-F238E27FC236}">
-                  <a16:creationId xmlns:a16="http://schemas.microsoft.com/office/drawing/2014/main" id="{5ECC99D6-3905-422D-A4AA-40E46BF49711}"/>
+                  <a16:creationId xmlns:a16="http://schemas.microsoft.com/office/drawing/2014/main" xmlns="" id="{5ECC99D6-3905-422D-A4AA-40E46BF49711}"/>
                 </a:ext>
               </a:extLst>
             </p:cNvPr>
@@ -5017,7 +5017,7 @@
             <p:cNvPr id="100" name="Rectangle 99">
               <a:extLst>
                 <a:ext uri="{FF2B5EF4-FFF2-40B4-BE49-F238E27FC236}">
-                  <a16:creationId xmlns:a16="http://schemas.microsoft.com/office/drawing/2014/main" id="{EA2B4C86-BDD0-462C-848E-1753D14620A2}"/>
+                  <a16:creationId xmlns:a16="http://schemas.microsoft.com/office/drawing/2014/main" xmlns="" id="{EA2B4C86-BDD0-462C-848E-1753D14620A2}"/>
                 </a:ext>
               </a:extLst>
             </p:cNvPr>
@@ -5067,7 +5067,7 @@
             <p:cNvPr id="101" name="Rectangle 100">
               <a:extLst>
                 <a:ext uri="{FF2B5EF4-FFF2-40B4-BE49-F238E27FC236}">
-                  <a16:creationId xmlns:a16="http://schemas.microsoft.com/office/drawing/2014/main" id="{6D50C737-46F3-472C-B1CA-A36A22CF4692}"/>
+                  <a16:creationId xmlns:a16="http://schemas.microsoft.com/office/drawing/2014/main" xmlns="" id="{6D50C737-46F3-472C-B1CA-A36A22CF4692}"/>
                 </a:ext>
               </a:extLst>
             </p:cNvPr>
@@ -5117,7 +5117,7 @@
             <p:cNvPr id="102" name="Rectangle 101">
               <a:extLst>
                 <a:ext uri="{FF2B5EF4-FFF2-40B4-BE49-F238E27FC236}">
-                  <a16:creationId xmlns:a16="http://schemas.microsoft.com/office/drawing/2014/main" id="{62AC310E-E68C-4A30-83F1-F9D1C0FBA0CA}"/>
+                  <a16:creationId xmlns:a16="http://schemas.microsoft.com/office/drawing/2014/main" xmlns="" id="{62AC310E-E68C-4A30-83F1-F9D1C0FBA0CA}"/>
                 </a:ext>
               </a:extLst>
             </p:cNvPr>
@@ -5167,7 +5167,7 @@
             <p:cNvPr id="103" name="Rectangle 102">
               <a:extLst>
                 <a:ext uri="{FF2B5EF4-FFF2-40B4-BE49-F238E27FC236}">
-                  <a16:creationId xmlns:a16="http://schemas.microsoft.com/office/drawing/2014/main" id="{A7F0C02D-A3FD-48C7-B39B-D9B1B92569DD}"/>
+                  <a16:creationId xmlns:a16="http://schemas.microsoft.com/office/drawing/2014/main" xmlns="" id="{A7F0C02D-A3FD-48C7-B39B-D9B1B92569DD}"/>
                 </a:ext>
               </a:extLst>
             </p:cNvPr>
@@ -5217,7 +5217,7 @@
             <p:cNvPr id="105" name="Rectangle 104">
               <a:extLst>
                 <a:ext uri="{FF2B5EF4-FFF2-40B4-BE49-F238E27FC236}">
-                  <a16:creationId xmlns:a16="http://schemas.microsoft.com/office/drawing/2014/main" id="{A2CFDC50-51F0-4243-9C12-A8142456CB96}"/>
+                  <a16:creationId xmlns:a16="http://schemas.microsoft.com/office/drawing/2014/main" xmlns="" id="{A2CFDC50-51F0-4243-9C12-A8142456CB96}"/>
                 </a:ext>
               </a:extLst>
             </p:cNvPr>
@@ -5268,7 +5268,7 @@
           <p:cNvPr id="65" name="TextBox 64">
             <a:extLst>
               <a:ext uri="{FF2B5EF4-FFF2-40B4-BE49-F238E27FC236}">
-                <a16:creationId xmlns:a16="http://schemas.microsoft.com/office/drawing/2014/main" id="{37905A41-B720-430A-9DEF-1D0F64A7B962}"/>
+                <a16:creationId xmlns:a16="http://schemas.microsoft.com/office/drawing/2014/main" xmlns="" id="{37905A41-B720-430A-9DEF-1D0F64A7B962}"/>
               </a:ext>
             </a:extLst>
           </p:cNvPr>
@@ -5483,7 +5483,7 @@
           <p:cNvPr id="44" name="Picture 43">
             <a:extLst>
               <a:ext uri="{FF2B5EF4-FFF2-40B4-BE49-F238E27FC236}">
-                <a16:creationId xmlns:a16="http://schemas.microsoft.com/office/drawing/2014/main" id="{A59C5697-27CD-41E7-A6C5-731E29040CF6}"/>
+                <a16:creationId xmlns:a16="http://schemas.microsoft.com/office/drawing/2014/main" xmlns="" id="{A59C5697-27CD-41E7-A6C5-731E29040CF6}"/>
               </a:ext>
             </a:extLst>
           </p:cNvPr>
@@ -5512,6 +5512,44 @@
           </a:prstGeom>
         </p:spPr>
       </p:pic>
+      <p:sp>
+        <p:nvSpPr>
+          <p:cNvPr id="2" name="TextBox 1"/>
+          <p:cNvSpPr txBox="1"/>
+          <p:nvPr/>
+        </p:nvSpPr>
+        <p:spPr>
+          <a:xfrm>
+            <a:off x="984739" y="8302382"/>
+            <a:ext cx="5205046" cy="646331"/>
+          </a:xfrm>
+          <a:prstGeom prst="rect">
+            <a:avLst/>
+          </a:prstGeom>
+          <a:noFill/>
+        </p:spPr>
+        <p:txBody>
+          <a:bodyPr wrap="square" rtlCol="0">
+            <a:spAutoFit/>
+          </a:bodyPr>
+          <a:lstStyle/>
+          <a:p>
+            <a:r>
+              <a:rPr lang="th-TH" sz="3600" i="1" dirty="0" smtClean="0">
+                <a:solidFill>
+                  <a:schemeClr val="accent1"/>
+                </a:solidFill>
+              </a:rPr>
+              <a:t>*เปลี่ยนชื่อหัวข้อได้ตามความเหมาะสม</a:t>
+            </a:r>
+            <a:endParaRPr lang="en-US" sz="3600" i="1" dirty="0">
+              <a:solidFill>
+                <a:schemeClr val="accent1"/>
+              </a:solidFill>
+            </a:endParaRPr>
+          </a:p>
+        </p:txBody>
+      </p:sp>
     </p:spTree>
     <p:extLst>
       <p:ext uri="{BB962C8B-B14F-4D97-AF65-F5344CB8AC3E}">
